--- a/Profundidade da fe/Conteúdo de vídeo/Slide de perguntas -M2.pptx
+++ b/Profundidade da fe/Conteúdo de vídeo/Slide de perguntas -M2.pptx
@@ -7,6 +7,9 @@
   <p:sldIdLst>
     <p:sldId id="256" r:id="rId2"/>
     <p:sldId id="257" r:id="rId3"/>
+    <p:sldId id="258" r:id="rId4"/>
+    <p:sldId id="259" r:id="rId5"/>
+    <p:sldId id="260" r:id="rId6"/>
   </p:sldIdLst>
   <p:sldSz cx="12192000" cy="6858000"/>
   <p:notesSz cx="6858000" cy="9144000"/>
@@ -105,6 +108,11 @@
       </a:defRPr>
     </a:lvl9pPr>
   </p:defaultTextStyle>
+  <p:extLst>
+    <p:ext uri="{EFAFB233-063F-42B5-8137-9DF3F51BA10A}">
+      <p15:sldGuideLst xmlns:p15="http://schemas.microsoft.com/office/powerpoint/2012/main"/>
+    </p:ext>
+  </p:extLst>
 </p:presentation>
 </file>
 
@@ -271,7 +279,7 @@
           <a:p>
             <a:fld id="{1160EA64-D806-43AC-9DF2-F8C432F32B4C}" type="datetimeFigureOut">
               <a:rPr lang="en-US" dirty="0"/>
-              <a:t>1/9/2025</a:t>
+              <a:t>1/10/2025</a:t>
             </a:fld>
             <a:endParaRPr lang="en-US" dirty="0"/>
           </a:p>
@@ -437,7 +445,7 @@
           <a:p>
             <a:fld id="{E9F9C37B-1D36-470B-8223-D6C91242EC14}" type="datetimeFigureOut">
               <a:rPr lang="en-US" dirty="0"/>
-              <a:t>1/9/2025</a:t>
+              <a:t>1/10/2025</a:t>
             </a:fld>
             <a:endParaRPr lang="en-US" dirty="0"/>
           </a:p>
@@ -612,7 +620,7 @@
           <a:p>
             <a:fld id="{67C6F52A-A82B-47A2-A83A-8C4C91F2D59F}" type="datetimeFigureOut">
               <a:rPr lang="en-US" dirty="0"/>
-              <a:t>1/9/2025</a:t>
+              <a:t>1/10/2025</a:t>
             </a:fld>
             <a:endParaRPr lang="en-US" dirty="0"/>
           </a:p>
@@ -777,7 +785,7 @@
           <a:p>
             <a:fld id="{F070A7B3-6521-4DCA-87E5-044747A908C1}" type="datetimeFigureOut">
               <a:rPr lang="en-US" dirty="0"/>
-              <a:t>1/9/2025</a:t>
+              <a:t>1/10/2025</a:t>
             </a:fld>
             <a:endParaRPr lang="en-US" dirty="0"/>
           </a:p>
@@ -1041,7 +1049,7 @@
           <a:p>
             <a:fld id="{1160EA64-D806-43AC-9DF2-F8C432F32B4C}" type="datetimeFigureOut">
               <a:rPr lang="en-US" dirty="0"/>
-              <a:t>1/9/2025</a:t>
+              <a:t>1/10/2025</a:t>
             </a:fld>
             <a:endParaRPr lang="en-US" dirty="0"/>
           </a:p>
@@ -1269,7 +1277,7 @@
           <a:p>
             <a:fld id="{AB134690-1557-4C89-A502-4959FE7FAD70}" type="datetimeFigureOut">
               <a:rPr lang="en-US" dirty="0"/>
-              <a:t>1/9/2025</a:t>
+              <a:t>1/10/2025</a:t>
             </a:fld>
             <a:endParaRPr lang="en-US" dirty="0"/>
           </a:p>
@@ -1623,7 +1631,7 @@
           <a:p>
             <a:fld id="{4F7D4976-E339-4826-83B7-FBD03F55ECF8}" type="datetimeFigureOut">
               <a:rPr lang="en-US" dirty="0"/>
-              <a:t>1/9/2025</a:t>
+              <a:t>1/10/2025</a:t>
             </a:fld>
             <a:endParaRPr lang="en-US" dirty="0"/>
           </a:p>
@@ -1759,7 +1767,7 @@
           <a:p>
             <a:fld id="{E1037C31-9E7A-4F99-8774-A0E530DE1A42}" type="datetimeFigureOut">
               <a:rPr lang="en-US" dirty="0"/>
-              <a:t>1/9/2025</a:t>
+              <a:t>1/10/2025</a:t>
             </a:fld>
             <a:endParaRPr lang="en-US" dirty="0"/>
           </a:p>
@@ -1849,7 +1857,7 @@
           <a:p>
             <a:fld id="{C278504F-A551-4DE0-9316-4DCD1D8CC752}" type="datetimeFigureOut">
               <a:rPr lang="en-US" dirty="0"/>
-              <a:t>1/9/2025</a:t>
+              <a:t>1/10/2025</a:t>
             </a:fld>
             <a:endParaRPr lang="en-US" dirty="0"/>
           </a:p>
@@ -2201,7 +2209,7 @@
           <a:p>
             <a:fld id="{D1BE4249-C0D0-4B06-8692-E8BB871AF643}" type="datetimeFigureOut">
               <a:rPr lang="en-US" dirty="0"/>
-              <a:t>1/9/2025</a:t>
+              <a:t>1/10/2025</a:t>
             </a:fld>
             <a:endParaRPr lang="en-US" dirty="0"/>
           </a:p>
@@ -2553,7 +2561,7 @@
           <a:p>
             <a:fld id="{042B0DB6-F5C7-45FB-8CF3-31B45F9C2DAC}" type="datetimeFigureOut">
               <a:rPr lang="en-US" dirty="0"/>
-              <a:t>1/9/2025</a:t>
+              <a:t>1/10/2025</a:t>
             </a:fld>
             <a:endParaRPr lang="en-US" dirty="0"/>
           </a:p>
@@ -2789,7 +2797,7 @@
           <a:p>
             <a:fld id="{1160EA64-D806-43AC-9DF2-F8C432F32B4C}" type="datetimeFigureOut">
               <a:rPr lang="en-US" dirty="0"/>
-              <a:t>1/9/2025</a:t>
+              <a:t>1/10/2025</a:t>
             </a:fld>
             <a:endParaRPr lang="en-US" dirty="0"/>
           </a:p>
@@ -3273,19 +3281,19 @@
                 </a:solidFill>
                 <a:latin typeface="Arial Rounded MT Bold" panose="020F0704030504030204" pitchFamily="34" charset="0"/>
               </a:rPr>
-              <a:t>Porque a religião é a ferramenta mais eficaz na construção da mentalidade de </a:t>
+              <a:t>Será quais os riscos para a sociedade se você </a:t>
             </a:r>
             <a:r>
               <a:rPr lang="pt-BR" sz="3000" dirty="0">
                 <a:solidFill>
-                  <a:schemeClr val="tx1"/>
+                  <a:srgbClr val="002060"/>
                 </a:solidFill>
                 <a:highlight>
-                  <a:srgbClr val="FF0000"/>
+                  <a:srgbClr val="00FF00"/>
                 </a:highlight>
                 <a:latin typeface="Arial Rounded MT Bold" panose="020F0704030504030204" pitchFamily="34" charset="0"/>
               </a:rPr>
-              <a:t>pobreza</a:t>
+              <a:t>enriquecer</a:t>
             </a:r>
             <a:r>
               <a:rPr lang="pt-BR" sz="3000" dirty="0">
@@ -3365,7 +3373,199 @@
                 <a:latin typeface="72 Black" panose="020B0A04030603020204" pitchFamily="34" charset="0"/>
                 <a:cs typeface="72 Black" panose="020B0A04030603020204" pitchFamily="34" charset="0"/>
               </a:rPr>
-              <a:t>Porque aparentemente todas religiões brasileiras herdaram a ideia que a piedade está na </a:t>
+              <a:t>Será que existe um sistema interessado em manter as pessoas </a:t>
+            </a:r>
+            <a:r>
+              <a:rPr lang="pt-BR" sz="3000" b="1" dirty="0">
+                <a:solidFill>
+                  <a:schemeClr val="tx1"/>
+                </a:solidFill>
+                <a:highlight>
+                  <a:srgbClr val="FF0000"/>
+                </a:highlight>
+                <a:latin typeface="72 Black" panose="020B0A04030603020204" pitchFamily="34" charset="0"/>
+                <a:cs typeface="72 Black" panose="020B0A04030603020204" pitchFamily="34" charset="0"/>
+              </a:rPr>
+              <a:t>pobres</a:t>
+            </a:r>
+            <a:r>
+              <a:rPr lang="pt-BR" sz="3000" b="1" dirty="0">
+                <a:solidFill>
+                  <a:srgbClr val="002060"/>
+                </a:solidFill>
+                <a:latin typeface="72 Black" panose="020B0A04030603020204" pitchFamily="34" charset="0"/>
+                <a:cs typeface="72 Black" panose="020B0A04030603020204" pitchFamily="34" charset="0"/>
+              </a:rPr>
+              <a:t> ou é apenas uma escolha pessoal?</a:t>
+            </a:r>
+            <a:endParaRPr lang="pt-BR" sz="3000" dirty="0">
+              <a:solidFill>
+                <a:srgbClr val="002060"/>
+              </a:solidFill>
+              <a:latin typeface="72 Black" panose="020B0A04030603020204" pitchFamily="34" charset="0"/>
+              <a:cs typeface="72 Black" panose="020B0A04030603020204" pitchFamily="34" charset="0"/>
+            </a:endParaRPr>
+          </a:p>
+        </p:txBody>
+      </p:sp>
+    </p:spTree>
+    <p:extLst>
+      <p:ext uri="{BB962C8B-B14F-4D97-AF65-F5344CB8AC3E}">
+        <p14:creationId xmlns:p14="http://schemas.microsoft.com/office/powerpoint/2010/main" val="235282856"/>
+      </p:ext>
+    </p:extLst>
+  </p:cSld>
+  <p:clrMapOvr>
+    <a:masterClrMapping/>
+  </p:clrMapOvr>
+</p:sld>
+</file>
+
+<file path=ppt/slides/slide3.xml><?xml version="1.0" encoding="utf-8"?>
+<p:sld xmlns:a="http://schemas.openxmlformats.org/drawingml/2006/main" xmlns:r="http://schemas.openxmlformats.org/officeDocument/2006/relationships" xmlns:p="http://schemas.openxmlformats.org/presentationml/2006/main">
+  <p:cSld>
+    <p:spTree>
+      <p:nvGrpSpPr>
+        <p:cNvPr id="1" name=""/>
+        <p:cNvGrpSpPr/>
+        <p:nvPr/>
+      </p:nvGrpSpPr>
+      <p:grpSpPr>
+        <a:xfrm>
+          <a:off x="0" y="0"/>
+          <a:ext cx="0" cy="0"/>
+          <a:chOff x="0" y="0"/>
+          <a:chExt cx="0" cy="0"/>
+        </a:xfrm>
+      </p:grpSpPr>
+      <p:sp>
+        <p:nvSpPr>
+          <p:cNvPr id="2" name="Título 1">
+            <a:extLst>
+              <a:ext uri="{FF2B5EF4-FFF2-40B4-BE49-F238E27FC236}">
+                <a16:creationId xmlns:a16="http://schemas.microsoft.com/office/drawing/2014/main" id="{DB256460-6068-48FB-AFEB-FD7B09FF7A16}"/>
+              </a:ext>
+            </a:extLst>
+          </p:cNvPr>
+          <p:cNvSpPr>
+            <a:spLocks noGrp="1"/>
+          </p:cNvSpPr>
+          <p:nvPr>
+            <p:ph type="title"/>
+          </p:nvPr>
+        </p:nvSpPr>
+        <p:spPr>
+          <a:xfrm>
+            <a:off x="3117476" y="2918012"/>
+            <a:ext cx="5717242" cy="2699535"/>
+          </a:xfrm>
+        </p:spPr>
+        <p:txBody>
+          <a:bodyPr>
+            <a:noAutofit/>
+          </a:bodyPr>
+          <a:lstStyle/>
+          <a:p>
+            <a:r>
+              <a:rPr lang="pt-BR" sz="3000" dirty="0">
+                <a:solidFill>
+                  <a:srgbClr val="002060"/>
+                </a:solidFill>
+                <a:latin typeface="Arial Rounded MT Bold" panose="020F0704030504030204" pitchFamily="34" charset="0"/>
+              </a:rPr>
+              <a:t>Qual a intenção por trás dos filmes e novelas em colocar os </a:t>
+            </a:r>
+            <a:r>
+              <a:rPr lang="pt-BR" sz="3000" dirty="0">
+                <a:solidFill>
+                  <a:srgbClr val="002060"/>
+                </a:solidFill>
+                <a:highlight>
+                  <a:srgbClr val="00FF00"/>
+                </a:highlight>
+                <a:latin typeface="Arial Rounded MT Bold" panose="020F0704030504030204" pitchFamily="34" charset="0"/>
+              </a:rPr>
+              <a:t>ricos</a:t>
+            </a:r>
+            <a:r>
+              <a:rPr lang="pt-BR" sz="3000" dirty="0">
+                <a:solidFill>
+                  <a:srgbClr val="002060"/>
+                </a:solidFill>
+                <a:latin typeface="Arial Rounded MT Bold" panose="020F0704030504030204" pitchFamily="34" charset="0"/>
+              </a:rPr>
+              <a:t> como orgulhosos e maus? </a:t>
+            </a:r>
+          </a:p>
+        </p:txBody>
+      </p:sp>
+    </p:spTree>
+    <p:extLst>
+      <p:ext uri="{BB962C8B-B14F-4D97-AF65-F5344CB8AC3E}">
+        <p14:creationId xmlns:p14="http://schemas.microsoft.com/office/powerpoint/2010/main" val="2002882601"/>
+      </p:ext>
+    </p:extLst>
+  </p:cSld>
+  <p:clrMapOvr>
+    <a:masterClrMapping/>
+  </p:clrMapOvr>
+</p:sld>
+</file>
+
+<file path=ppt/slides/slide4.xml><?xml version="1.0" encoding="utf-8"?>
+<p:sld xmlns:a="http://schemas.openxmlformats.org/drawingml/2006/main" xmlns:r="http://schemas.openxmlformats.org/officeDocument/2006/relationships" xmlns:p="http://schemas.openxmlformats.org/presentationml/2006/main">
+  <p:cSld>
+    <p:spTree>
+      <p:nvGrpSpPr>
+        <p:cNvPr id="1" name=""/>
+        <p:cNvGrpSpPr/>
+        <p:nvPr/>
+      </p:nvGrpSpPr>
+      <p:grpSpPr>
+        <a:xfrm>
+          <a:off x="0" y="0"/>
+          <a:ext cx="0" cy="0"/>
+          <a:chOff x="0" y="0"/>
+          <a:chExt cx="0" cy="0"/>
+        </a:xfrm>
+      </p:grpSpPr>
+      <p:sp>
+        <p:nvSpPr>
+          <p:cNvPr id="2" name="Título 1">
+            <a:extLst>
+              <a:ext uri="{FF2B5EF4-FFF2-40B4-BE49-F238E27FC236}">
+                <a16:creationId xmlns:a16="http://schemas.microsoft.com/office/drawing/2014/main" id="{DB256460-6068-48FB-AFEB-FD7B09FF7A16}"/>
+              </a:ext>
+            </a:extLst>
+          </p:cNvPr>
+          <p:cNvSpPr>
+            <a:spLocks noGrp="1"/>
+          </p:cNvSpPr>
+          <p:nvPr>
+            <p:ph type="ctrTitle"/>
+          </p:nvPr>
+        </p:nvSpPr>
+        <p:spPr>
+          <a:xfrm>
+            <a:off x="2862543" y="3121214"/>
+            <a:ext cx="6466914" cy="2767102"/>
+          </a:xfrm>
+        </p:spPr>
+        <p:txBody>
+          <a:bodyPr>
+            <a:noAutofit/>
+          </a:bodyPr>
+          <a:lstStyle/>
+          <a:p>
+            <a:r>
+              <a:rPr lang="pt-BR" sz="3000" b="1" dirty="0">
+                <a:solidFill>
+                  <a:srgbClr val="002060"/>
+                </a:solidFill>
+                <a:latin typeface="72 Black" panose="020B0A04030603020204" pitchFamily="34" charset="0"/>
+                <a:cs typeface="72 Black" panose="020B0A04030603020204" pitchFamily="34" charset="0"/>
+              </a:rPr>
+              <a:t>Porque a riqueza atrapalha os governos e porque a </a:t>
             </a:r>
             <a:r>
               <a:rPr lang="pt-BR" sz="3000" b="1" dirty="0">
@@ -3381,22 +3581,109 @@
               <a:t>pobreza</a:t>
             </a:r>
             <a:r>
-              <a:rPr lang="pt-BR" sz="3000" dirty="0">
+              <a:rPr lang="pt-BR" sz="3000" b="1" dirty="0">
                 <a:solidFill>
                   <a:srgbClr val="002060"/>
                 </a:solidFill>
                 <a:latin typeface="72 Black" panose="020B0A04030603020204" pitchFamily="34" charset="0"/>
                 <a:cs typeface="72 Black" panose="020B0A04030603020204" pitchFamily="34" charset="0"/>
               </a:rPr>
-              <a:t>?</a:t>
-            </a:r>
+              <a:t> é necessária?</a:t>
+            </a:r>
+            <a:endParaRPr lang="pt-BR" sz="3000" dirty="0">
+              <a:solidFill>
+                <a:srgbClr val="002060"/>
+              </a:solidFill>
+              <a:latin typeface="72 Black" panose="020B0A04030603020204" pitchFamily="34" charset="0"/>
+              <a:cs typeface="72 Black" panose="020B0A04030603020204" pitchFamily="34" charset="0"/>
+            </a:endParaRPr>
           </a:p>
         </p:txBody>
       </p:sp>
     </p:spTree>
     <p:extLst>
       <p:ext uri="{BB962C8B-B14F-4D97-AF65-F5344CB8AC3E}">
-        <p14:creationId xmlns:p14="http://schemas.microsoft.com/office/powerpoint/2010/main" val="235282856"/>
+        <p14:creationId xmlns:p14="http://schemas.microsoft.com/office/powerpoint/2010/main" val="2474212446"/>
+      </p:ext>
+    </p:extLst>
+  </p:cSld>
+  <p:clrMapOvr>
+    <a:masterClrMapping/>
+  </p:clrMapOvr>
+</p:sld>
+</file>
+
+<file path=ppt/slides/slide5.xml><?xml version="1.0" encoding="utf-8"?>
+<p:sld xmlns:a="http://schemas.openxmlformats.org/drawingml/2006/main" xmlns:r="http://schemas.openxmlformats.org/officeDocument/2006/relationships" xmlns:p="http://schemas.openxmlformats.org/presentationml/2006/main">
+  <p:cSld>
+    <p:spTree>
+      <p:nvGrpSpPr>
+        <p:cNvPr id="1" name=""/>
+        <p:cNvGrpSpPr/>
+        <p:nvPr/>
+      </p:nvGrpSpPr>
+      <p:grpSpPr>
+        <a:xfrm>
+          <a:off x="0" y="0"/>
+          <a:ext cx="0" cy="0"/>
+          <a:chOff x="0" y="0"/>
+          <a:chExt cx="0" cy="0"/>
+        </a:xfrm>
+      </p:grpSpPr>
+      <p:sp>
+        <p:nvSpPr>
+          <p:cNvPr id="2" name="Título 1">
+            <a:extLst>
+              <a:ext uri="{FF2B5EF4-FFF2-40B4-BE49-F238E27FC236}">
+                <a16:creationId xmlns:a16="http://schemas.microsoft.com/office/drawing/2014/main" id="{31406956-5A7E-4140-BED3-B88453609ADF}"/>
+              </a:ext>
+            </a:extLst>
+          </p:cNvPr>
+          <p:cNvSpPr>
+            <a:spLocks noGrp="1"/>
+          </p:cNvSpPr>
+          <p:nvPr>
+            <p:ph type="title"/>
+          </p:nvPr>
+        </p:nvSpPr>
+        <p:spPr/>
+        <p:txBody>
+          <a:bodyPr/>
+          <a:lstStyle/>
+          <a:p>
+            <a:endParaRPr lang="pt-BR"/>
+          </a:p>
+        </p:txBody>
+      </p:sp>
+      <p:sp>
+        <p:nvSpPr>
+          <p:cNvPr id="3" name="Espaço Reservado para Conteúdo 2">
+            <a:extLst>
+              <a:ext uri="{FF2B5EF4-FFF2-40B4-BE49-F238E27FC236}">
+                <a16:creationId xmlns:a16="http://schemas.microsoft.com/office/drawing/2014/main" id="{F3C996EC-2236-43D7-A8F1-362917C09F9B}"/>
+              </a:ext>
+            </a:extLst>
+          </p:cNvPr>
+          <p:cNvSpPr>
+            <a:spLocks noGrp="1"/>
+          </p:cNvSpPr>
+          <p:nvPr>
+            <p:ph idx="1"/>
+          </p:nvPr>
+        </p:nvSpPr>
+        <p:spPr/>
+        <p:txBody>
+          <a:bodyPr/>
+          <a:lstStyle/>
+          <a:p>
+            <a:endParaRPr lang="pt-BR"/>
+          </a:p>
+        </p:txBody>
+      </p:sp>
+    </p:spTree>
+    <p:extLst>
+      <p:ext uri="{BB962C8B-B14F-4D97-AF65-F5344CB8AC3E}">
+        <p14:creationId xmlns:p14="http://schemas.microsoft.com/office/powerpoint/2010/main" val="4069947721"/>
       </p:ext>
     </p:extLst>
   </p:cSld>
